--- a/Documentation/BombSM.pptx
+++ b/Documentation/BombSM.pptx
@@ -2988,8 +2988,13 @@
             <a:pPr algn="ctr"/>
             <a:r>
               <a:rPr lang="en-US" dirty="0"/>
-              <a:t>start</a:t>
-            </a:r>
+              <a:t>Start</a:t>
+            </a:r>
+            <a:endParaRPr lang="he-IL" dirty="0"/>
+          </a:p>
+          <a:p>
+            <a:pPr algn="ctr"/>
+            <a:endParaRPr lang="en-US" dirty="0"/>
           </a:p>
         </p:txBody>
       </p:sp>
@@ -4284,6 +4289,178 @@
           </a:fontRef>
         </p:style>
       </p:cxnSp>
+      <p:sp>
+        <p:nvSpPr>
+          <p:cNvPr id="24" name="Oval 23"/>
+          <p:cNvSpPr/>
+          <p:nvPr/>
+        </p:nvSpPr>
+        <p:spPr>
+          <a:xfrm>
+            <a:off x="7232515" y="5284275"/>
+            <a:ext cx="1645920" cy="1455088"/>
+          </a:xfrm>
+          <a:prstGeom prst="ellipse">
+            <a:avLst/>
+          </a:prstGeom>
+        </p:spPr>
+        <p:style>
+          <a:lnRef idx="2">
+            <a:schemeClr val="accent1">
+              <a:shade val="50000"/>
+            </a:schemeClr>
+          </a:lnRef>
+          <a:fillRef idx="1">
+            <a:schemeClr val="accent1"/>
+          </a:fillRef>
+          <a:effectRef idx="0">
+            <a:schemeClr val="accent1"/>
+          </a:effectRef>
+          <a:fontRef idx="minor">
+            <a:schemeClr val="lt1"/>
+          </a:fontRef>
+        </p:style>
+        <p:txBody>
+          <a:bodyPr rtlCol="0" anchor="ctr"/>
+          <a:lstStyle/>
+          <a:p>
+            <a:pPr algn="ctr"/>
+            <a:r>
+              <a:rPr lang="en-US" dirty="0"/>
+              <a:t>DEAD</a:t>
+            </a:r>
+          </a:p>
+        </p:txBody>
+      </p:sp>
+      <p:cxnSp>
+        <p:nvCxnSpPr>
+          <p:cNvPr id="3" name="Straight Arrow Connector 2"/>
+          <p:cNvCxnSpPr/>
+          <p:nvPr/>
+        </p:nvCxnSpPr>
+        <p:spPr>
+          <a:xfrm>
+            <a:off x="7232515" y="4917244"/>
+            <a:ext cx="354353" cy="367031"/>
+          </a:xfrm>
+          <a:prstGeom prst="straightConnector1">
+            <a:avLst/>
+          </a:prstGeom>
+          <a:ln>
+            <a:tailEnd type="triangle"/>
+          </a:ln>
+        </p:spPr>
+        <p:style>
+          <a:lnRef idx="1">
+            <a:schemeClr val="accent1"/>
+          </a:lnRef>
+          <a:fillRef idx="0">
+            <a:schemeClr val="accent1"/>
+          </a:fillRef>
+          <a:effectRef idx="0">
+            <a:schemeClr val="accent1"/>
+          </a:effectRef>
+          <a:fontRef idx="minor">
+            <a:schemeClr val="tx1"/>
+          </a:fontRef>
+        </p:style>
+      </p:cxnSp>
+      <mc:AlternateContent xmlns:mc="http://schemas.openxmlformats.org/markup-compatibility/2006">
+        <mc:Choice xmlns:a14="http://schemas.microsoft.com/office/drawing/2010/main" Requires="a14">
+          <p:sp>
+            <p:nvSpPr>
+              <p:cNvPr id="28" name="TextBox 27"/>
+              <p:cNvSpPr txBox="1"/>
+              <p:nvPr/>
+            </p:nvSpPr>
+            <p:spPr>
+              <a:xfrm>
+                <a:off x="5267537" y="5224515"/>
+                <a:ext cx="3458818" cy="369909"/>
+              </a:xfrm>
+              <a:prstGeom prst="rect">
+                <a:avLst/>
+              </a:prstGeom>
+              <a:noFill/>
+            </p:spPr>
+            <p:txBody>
+              <a:bodyPr wrap="square" rtlCol="0">
+                <a:spAutoFit/>
+              </a:bodyPr>
+              <a:lstStyle/>
+              <a:p>
+                <a:pPr/>
+                <a14:m>
+                  <m:oMathPara xmlns:m="http://schemas.openxmlformats.org/officeDocument/2006/math">
+                    <m:oMathParaPr>
+                      <m:jc m:val="centerGroup"/>
+                    </m:oMathParaPr>
+                    <m:oMath xmlns:m="http://schemas.openxmlformats.org/officeDocument/2006/math">
+                      <m:acc>
+                        <m:accPr>
+                          <m:chr m:val="̅"/>
+                          <m:ctrlPr>
+                            <a:rPr lang="en-US" b="0" i="1" smtClean="0">
+                              <a:latin typeface="Cambria Math" panose="02040503050406030204" pitchFamily="18" charset="0"/>
+                            </a:rPr>
+                          </m:ctrlPr>
+                        </m:accPr>
+                        <m:e>
+                          <m:r>
+                            <a:rPr lang="en-US" i="1">
+                              <a:latin typeface="Cambria Math" panose="02040503050406030204" pitchFamily="18" charset="0"/>
+                            </a:rPr>
+                            <m:t>𝐼𝐸𝑁𝐴𝐵𝐿𝐸</m:t>
+                          </m:r>
+                        </m:e>
+                      </m:acc>
+                    </m:oMath>
+                  </m:oMathPara>
+                </a14:m>
+                <a:endParaRPr lang="en-US" dirty="0"/>
+              </a:p>
+            </p:txBody>
+          </p:sp>
+        </mc:Choice>
+        <mc:Fallback>
+          <p:sp>
+            <p:nvSpPr>
+              <p:cNvPr id="28" name="TextBox 27"/>
+              <p:cNvSpPr txBox="1">
+                <a:spLocks noRot="1" noChangeAspect="1" noMove="1" noResize="1" noEditPoints="1" noAdjustHandles="1" noChangeArrowheads="1" noChangeShapeType="1" noTextEdit="1"/>
+              </p:cNvSpPr>
+              <p:nvPr/>
+            </p:nvSpPr>
+            <p:spPr>
+              <a:xfrm>
+                <a:off x="5267537" y="5224515"/>
+                <a:ext cx="3458818" cy="369909"/>
+              </a:xfrm>
+              <a:prstGeom prst="rect">
+                <a:avLst/>
+              </a:prstGeom>
+              <a:blipFill>
+                <a:blip r:embed="rId10"/>
+                <a:stretch>
+                  <a:fillRect/>
+                </a:stretch>
+              </a:blipFill>
+            </p:spPr>
+            <p:txBody>
+              <a:bodyPr/>
+              <a:lstStyle/>
+              <a:p>
+                <a:r>
+                  <a:rPr lang="en-US">
+                    <a:noFill/>
+                  </a:rPr>
+                  <a:t> </a:t>
+                </a:r>
+              </a:p>
+            </p:txBody>
+          </p:sp>
+        </mc:Fallback>
+      </mc:AlternateContent>
     </p:spTree>
     <p:extLst>
       <p:ext uri="{BB962C8B-B14F-4D97-AF65-F5344CB8AC3E}">
@@ -4722,9 +4899,9 @@
           <p:nvPr/>
         </p:nvCxnSpPr>
         <p:spPr>
-          <a:xfrm flipH="1" flipV="1">
-            <a:off x="6092023" y="1721817"/>
-            <a:ext cx="2943309" cy="27175"/>
+          <a:xfrm flipH="1">
+            <a:off x="7114413" y="1748993"/>
+            <a:ext cx="1920920" cy="2967796"/>
           </a:xfrm>
           <a:prstGeom prst="straightConnector1">
             <a:avLst/>
@@ -4748,8 +4925,8 @@
           </a:fontRef>
         </p:style>
       </p:cxnSp>
-      <mc:AlternateContent xmlns:mc="http://schemas.openxmlformats.org/markup-compatibility/2006" xmlns:a14="http://schemas.microsoft.com/office/drawing/2010/main">
-        <mc:Choice Requires="a14">
+      <mc:AlternateContent xmlns:mc="http://schemas.openxmlformats.org/markup-compatibility/2006">
+        <mc:Choice xmlns:a14="http://schemas.microsoft.com/office/drawing/2010/main" Requires="a14">
           <p:sp>
             <p:nvSpPr>
               <p:cNvPr id="41" name="TextBox 40"/>
@@ -4758,8 +4935,8 @@
             </p:nvSpPr>
             <p:spPr>
               <a:xfrm>
-                <a:off x="5936925" y="1408981"/>
-                <a:ext cx="3458818" cy="375424"/>
+                <a:off x="6125410" y="2932588"/>
+                <a:ext cx="2873795" cy="375424"/>
               </a:xfrm>
               <a:prstGeom prst="rect">
                 <a:avLst/>
@@ -4811,7 +4988,7 @@
             </p:txBody>
           </p:sp>
         </mc:Choice>
-        <mc:Fallback xmlns="">
+        <mc:Fallback>
           <p:sp>
             <p:nvSpPr>
               <p:cNvPr id="41" name="TextBox 40"/>
@@ -4822,8 +4999,8 @@
             </p:nvSpPr>
             <p:spPr>
               <a:xfrm>
-                <a:off x="5936925" y="1408981"/>
-                <a:ext cx="3458818" cy="375424"/>
+                <a:off x="6125410" y="2932588"/>
+                <a:ext cx="2873795" cy="375424"/>
               </a:xfrm>
               <a:prstGeom prst="rect">
                 <a:avLst/>
@@ -5373,9 +5550,9 @@
           <p:nvPr/>
         </p:nvCxnSpPr>
         <p:spPr>
-          <a:xfrm flipH="1" flipV="1">
-            <a:off x="5934726" y="2031228"/>
-            <a:ext cx="3461017" cy="68747"/>
+          <a:xfrm flipH="1">
+            <a:off x="7188086" y="1925875"/>
+            <a:ext cx="2031383" cy="3612566"/>
           </a:xfrm>
           <a:prstGeom prst="straightConnector1">
             <a:avLst/>
@@ -5399,8 +5576,8 @@
           </a:fontRef>
         </p:style>
       </p:cxnSp>
-      <mc:AlternateContent xmlns:mc="http://schemas.openxmlformats.org/markup-compatibility/2006" xmlns:a14="http://schemas.microsoft.com/office/drawing/2010/main">
-        <mc:Choice Requires="a14">
+      <mc:AlternateContent xmlns:mc="http://schemas.openxmlformats.org/markup-compatibility/2006">
+        <mc:Choice xmlns:a14="http://schemas.microsoft.com/office/drawing/2010/main" Requires="a14">
           <p:sp>
             <p:nvSpPr>
               <p:cNvPr id="60" name="TextBox 59"/>
@@ -5409,7 +5586,7 @@
             </p:nvSpPr>
             <p:spPr>
               <a:xfrm>
-                <a:off x="6255793" y="2126200"/>
+                <a:off x="7580237" y="3362749"/>
                 <a:ext cx="3458818" cy="646331"/>
               </a:xfrm>
               <a:prstGeom prst="rect">
@@ -5466,7 +5643,7 @@
             </p:txBody>
           </p:sp>
         </mc:Choice>
-        <mc:Fallback xmlns="">
+        <mc:Fallback>
           <p:sp>
             <p:nvSpPr>
               <p:cNvPr id="60" name="TextBox 59"/>
@@ -5477,7 +5654,7 @@
             </p:nvSpPr>
             <p:spPr>
               <a:xfrm>
-                <a:off x="6255793" y="2126200"/>
+                <a:off x="7580237" y="3362749"/>
                 <a:ext cx="3458818" cy="646331"/>
               </a:xfrm>
               <a:prstGeom prst="rect">
@@ -5979,8 +6156,8 @@
           </a:fontRef>
         </p:style>
       </p:cxnSp>
-      <mc:AlternateContent xmlns:mc="http://schemas.openxmlformats.org/markup-compatibility/2006" xmlns:a14="http://schemas.microsoft.com/office/drawing/2010/main">
-        <mc:Choice Requires="a14">
+      <mc:AlternateContent xmlns:mc="http://schemas.openxmlformats.org/markup-compatibility/2006">
+        <mc:Choice xmlns:a14="http://schemas.microsoft.com/office/drawing/2010/main" Requires="a14">
           <p:sp>
             <p:nvSpPr>
               <p:cNvPr id="72" name="TextBox 71"/>
@@ -5989,8 +6166,8 @@
             </p:nvSpPr>
             <p:spPr>
               <a:xfrm>
-                <a:off x="1731597" y="2076042"/>
-                <a:ext cx="3458818" cy="369332"/>
+                <a:off x="2369680" y="2076712"/>
+                <a:ext cx="2335306" cy="646331"/>
               </a:xfrm>
               <a:prstGeom prst="rect">
                 <a:avLst/>
@@ -6031,12 +6208,27 @@
                     </m:oMath>
                   </m:oMathPara>
                 </a14:m>
-                <a:endParaRPr lang="en-US" dirty="0"/>
+                <a:endParaRPr lang="he-IL" b="0" dirty="0"/>
+              </a:p>
+              <a:p>
+                <a:pPr/>
+                <a:r>
+                  <a:rPr lang="en-US" dirty="0"/>
+                  <a:t>&amp;&amp; </a:t>
+                </a:r>
+                <a:r>
+                  <a:rPr lang="en-US" dirty="0" err="1"/>
+                  <a:t>Yspeed</a:t>
+                </a:r>
+                <a:r>
+                  <a:rPr lang="en-US" dirty="0"/>
+                  <a:t> &lt; 0</a:t>
+                </a:r>
               </a:p>
             </p:txBody>
           </p:sp>
         </mc:Choice>
-        <mc:Fallback xmlns="">
+        <mc:Fallback>
           <p:sp>
             <p:nvSpPr>
               <p:cNvPr id="72" name="TextBox 71"/>
@@ -6047,8 +6239,8 @@
             </p:nvSpPr>
             <p:spPr>
               <a:xfrm>
-                <a:off x="1731597" y="2076042"/>
-                <a:ext cx="3458818" cy="369332"/>
+                <a:off x="2369680" y="2076712"/>
+                <a:ext cx="2335306" cy="646331"/>
               </a:xfrm>
               <a:prstGeom prst="rect">
                 <a:avLst/>
@@ -6056,7 +6248,7 @@
               <a:blipFill>
                 <a:blip r:embed="rId11"/>
                 <a:stretch>
-                  <a:fillRect/>
+                  <a:fillRect l="-2350" b="-14151"/>
                 </a:stretch>
               </a:blipFill>
             </p:spPr>

--- a/Documentation/BombSM.pptx
+++ b/Documentation/BombSM.pptx
@@ -2994,7 +2994,10 @@
           </a:p>
           <a:p>
             <a:pPr algn="ctr"/>
-            <a:endParaRPr lang="en-US" dirty="0"/>
+            <a:r>
+              <a:rPr lang="en-US" dirty="0"/>
+              <a:t>EN=1</a:t>
+            </a:r>
           </a:p>
         </p:txBody>
       </p:sp>
@@ -3039,6 +3042,17 @@
               <a:t>Rand speeds</a:t>
             </a:r>
           </a:p>
+          <a:p>
+            <a:pPr algn="ctr"/>
+            <a:r>
+              <a:rPr lang="en-US" dirty="0"/>
+              <a:t>EN=1</a:t>
+            </a:r>
+          </a:p>
+          <a:p>
+            <a:pPr algn="ctr"/>
+            <a:endParaRPr lang="en-US" dirty="0"/>
+          </a:p>
         </p:txBody>
       </p:sp>
       <p:sp>
@@ -3079,8 +3093,19 @@
             <a:pPr algn="ctr"/>
             <a:r>
               <a:rPr lang="en-US" dirty="0"/>
-              <a:t>move</a:t>
-            </a:r>
+              <a:t>Move</a:t>
+            </a:r>
+          </a:p>
+          <a:p>
+            <a:pPr algn="ctr"/>
+            <a:r>
+              <a:rPr lang="en-US" dirty="0"/>
+              <a:t>EN=1</a:t>
+            </a:r>
+          </a:p>
+          <a:p>
+            <a:pPr algn="ctr"/>
+            <a:endParaRPr lang="en-US" dirty="0"/>
           </a:p>
         </p:txBody>
       </p:sp>
@@ -3125,6 +3150,17 @@
               <a:t>Chase Mario</a:t>
             </a:r>
           </a:p>
+          <a:p>
+            <a:pPr algn="ctr"/>
+            <a:r>
+              <a:rPr lang="en-US" dirty="0"/>
+              <a:t>EN=1</a:t>
+            </a:r>
+          </a:p>
+          <a:p>
+            <a:pPr algn="ctr"/>
+            <a:endParaRPr lang="en-US" dirty="0"/>
+          </a:p>
         </p:txBody>
       </p:sp>
       <p:sp>
@@ -3168,6 +3204,17 @@
               <a:t>Chase Luigi</a:t>
             </a:r>
           </a:p>
+          <a:p>
+            <a:pPr algn="ctr"/>
+            <a:r>
+              <a:rPr lang="en-US" dirty="0"/>
+              <a:t>EN=1</a:t>
+            </a:r>
+          </a:p>
+          <a:p>
+            <a:pPr algn="ctr"/>
+            <a:endParaRPr lang="en-US" dirty="0"/>
+          </a:p>
         </p:txBody>
       </p:sp>
       <p:sp>
@@ -3208,8 +3255,19 @@
             <a:pPr algn="ctr"/>
             <a:r>
               <a:rPr lang="en-US" dirty="0"/>
-              <a:t>idle</a:t>
-            </a:r>
+              <a:t>Idle</a:t>
+            </a:r>
+          </a:p>
+          <a:p>
+            <a:pPr algn="ctr"/>
+            <a:r>
+              <a:rPr lang="en-US" dirty="0"/>
+              <a:t>EN=1</a:t>
+            </a:r>
+          </a:p>
+          <a:p>
+            <a:pPr algn="ctr"/>
+            <a:endParaRPr lang="en-US" dirty="0"/>
           </a:p>
         </p:txBody>
       </p:sp>
@@ -4329,6 +4387,18 @@
               <a:rPr lang="en-US" dirty="0"/>
               <a:t>DEAD</a:t>
             </a:r>
+          </a:p>
+          <a:p>
+            <a:pPr algn="ctr"/>
+            <a:r>
+              <a:rPr lang="en-US"/>
+              <a:t>EN=0</a:t>
+            </a:r>
+            <a:endParaRPr lang="en-US"/>
+          </a:p>
+          <a:p>
+            <a:pPr algn="ctr"/>
+            <a:endParaRPr lang="en-US" dirty="0"/>
           </a:p>
         </p:txBody>
       </p:sp>

--- a/Documentation/BombSM.pptx
+++ b/Documentation/BombSM.pptx
@@ -4391,10 +4391,9 @@
           <a:p>
             <a:pPr algn="ctr"/>
             <a:r>
-              <a:rPr lang="en-US"/>
+              <a:rPr lang="en-US" dirty="0"/>
               <a:t>EN=0</a:t>
             </a:r>
-            <a:endParaRPr lang="en-US"/>
           </a:p>
           <a:p>
             <a:pPr algn="ctr"/>
@@ -4445,8 +4444,8 @@
             </p:nvSpPr>
             <p:spPr>
               <a:xfrm>
-                <a:off x="5267537" y="5224515"/>
-                <a:ext cx="3458818" cy="369909"/>
+                <a:off x="5462528" y="5043597"/>
+                <a:ext cx="3458818" cy="369332"/>
               </a:xfrm>
               <a:prstGeom prst="rect">
                 <a:avLst/>
@@ -4466,24 +4465,18 @@
                       <m:jc m:val="centerGroup"/>
                     </m:oMathParaPr>
                     <m:oMath xmlns:m="http://schemas.openxmlformats.org/officeDocument/2006/math">
-                      <m:acc>
-                        <m:accPr>
-                          <m:chr m:val="̅"/>
-                          <m:ctrlPr>
-                            <a:rPr lang="en-US" b="0" i="1" smtClean="0">
-                              <a:latin typeface="Cambria Math" panose="02040503050406030204" pitchFamily="18" charset="0"/>
-                            </a:rPr>
-                          </m:ctrlPr>
-                        </m:accPr>
-                        <m:e>
-                          <m:r>
-                            <a:rPr lang="en-US" i="1">
-                              <a:latin typeface="Cambria Math" panose="02040503050406030204" pitchFamily="18" charset="0"/>
-                            </a:rPr>
-                            <m:t>𝐼𝐸𝑁𝐴𝐵𝐿𝐸</m:t>
-                          </m:r>
-                        </m:e>
-                      </m:acc>
+                      <m:r>
+                        <a:rPr lang="en-US" b="0" i="1" smtClean="0">
+                          <a:latin typeface="Cambria Math" panose="02040503050406030204" pitchFamily="18" charset="0"/>
+                        </a:rPr>
+                        <m:t>h</m:t>
+                      </m:r>
+                      <m:r>
+                        <a:rPr lang="en-US" b="0" i="1" smtClean="0">
+                          <a:latin typeface="Cambria Math" panose="02040503050406030204" pitchFamily="18" charset="0"/>
+                        </a:rPr>
+                        <m:t>𝑖𝑡</m:t>
+                      </m:r>
                     </m:oMath>
                   </m:oMathPara>
                 </a14:m>
@@ -4503,8 +4496,8 @@
             </p:nvSpPr>
             <p:spPr>
               <a:xfrm>
-                <a:off x="5267537" y="5224515"/>
-                <a:ext cx="3458818" cy="369909"/>
+                <a:off x="5462528" y="5043597"/>
+                <a:ext cx="3458818" cy="369332"/>
               </a:xfrm>
               <a:prstGeom prst="rect">
                 <a:avLst/>
